--- a/presentation.pptx
+++ b/presentation.pptx
@@ -16212,15 +16212,175 @@
             <p:ph idx="1"/>
           </p:nvPr>
         </p:nvSpPr>
-        <p:spPr/>
+        <p:spPr>
+          <a:xfrm>
+            <a:off x="565150" y="2160016"/>
+            <a:ext cx="10219760" cy="3601212"/>
+          </a:xfrm>
+        </p:spPr>
         <p:txBody>
-          <a:bodyPr/>
+          <a:bodyPr>
+            <a:normAutofit fontScale="92500" lnSpcReduction="20000"/>
+          </a:bodyPr>
           <a:lstStyle/>
           <a:p>
             <a:r>
               <a:rPr lang="en-US" dirty="0"/>
               <a:t>In classic Microsoft fashion, Microsoft copies the best solution.</a:t>
             </a:r>
+          </a:p>
+          <a:p>
+            <a:endParaRPr lang="en-US" dirty="0"/>
+          </a:p>
+          <a:p>
+            <a:pPr marL="0" indent="0">
+              <a:buNone/>
+            </a:pPr>
+            <a:r>
+              <a:rPr lang="en-US" dirty="0">
+                <a:latin typeface="Helvetica" pitchFamily="2" charset="0"/>
+              </a:rPr>
+              <a:t>resource stgacct1 '</a:t>
+            </a:r>
+            <a:r>
+              <a:rPr lang="en-US" dirty="0" err="1">
+                <a:latin typeface="Helvetica" pitchFamily="2" charset="0"/>
+              </a:rPr>
+              <a:t>Microsoft.Storage</a:t>
+            </a:r>
+            <a:r>
+              <a:rPr lang="en-US" dirty="0">
+                <a:latin typeface="Helvetica" pitchFamily="2" charset="0"/>
+              </a:rPr>
+              <a:t>/storageAccounts@2021-04-01' = {</a:t>
+            </a:r>
+            <a:br>
+              <a:rPr lang="en-US" dirty="0">
+                <a:latin typeface="Helvetica" pitchFamily="2" charset="0"/>
+              </a:rPr>
+            </a:br>
+            <a:r>
+              <a:rPr lang="en-US" dirty="0">
+                <a:latin typeface="Helvetica" pitchFamily="2" charset="0"/>
+              </a:rPr>
+              <a:t>  name: 'storageaccount1'</a:t>
+            </a:r>
+            <a:br>
+              <a:rPr lang="en-US" dirty="0">
+                <a:latin typeface="Helvetica" pitchFamily="2" charset="0"/>
+              </a:rPr>
+            </a:br>
+            <a:r>
+              <a:rPr lang="en-US" dirty="0">
+                <a:latin typeface="Helvetica" pitchFamily="2" charset="0"/>
+              </a:rPr>
+              <a:t>  location: '</a:t>
+            </a:r>
+            <a:r>
+              <a:rPr lang="en-US" dirty="0" err="1">
+                <a:latin typeface="Helvetica" pitchFamily="2" charset="0"/>
+              </a:rPr>
+              <a:t>eastus</a:t>
+            </a:r>
+            <a:r>
+              <a:rPr lang="en-US" dirty="0">
+                <a:latin typeface="Helvetica" pitchFamily="2" charset="0"/>
+              </a:rPr>
+              <a:t>'</a:t>
+            </a:r>
+            <a:br>
+              <a:rPr lang="en-US" dirty="0">
+                <a:latin typeface="Helvetica" pitchFamily="2" charset="0"/>
+              </a:rPr>
+            </a:br>
+            <a:r>
+              <a:rPr lang="en-US" dirty="0">
+                <a:latin typeface="Helvetica" pitchFamily="2" charset="0"/>
+              </a:rPr>
+              <a:t>  </a:t>
+            </a:r>
+            <a:r>
+              <a:rPr lang="en-US" dirty="0" err="1">
+                <a:latin typeface="Helvetica" pitchFamily="2" charset="0"/>
+              </a:rPr>
+              <a:t>sku</a:t>
+            </a:r>
+            <a:r>
+              <a:rPr lang="en-US" dirty="0">
+                <a:latin typeface="Helvetica" pitchFamily="2" charset="0"/>
+              </a:rPr>
+              <a:t>:{</a:t>
+            </a:r>
+            <a:br>
+              <a:rPr lang="en-US" dirty="0">
+                <a:latin typeface="Helvetica" pitchFamily="2" charset="0"/>
+              </a:rPr>
+            </a:br>
+            <a:r>
+              <a:rPr lang="en-US" dirty="0">
+                <a:latin typeface="Helvetica" pitchFamily="2" charset="0"/>
+              </a:rPr>
+              <a:t>    name: '</a:t>
+            </a:r>
+            <a:r>
+              <a:rPr lang="en-US" dirty="0" err="1">
+                <a:latin typeface="Helvetica" pitchFamily="2" charset="0"/>
+              </a:rPr>
+              <a:t>Standard_LRS</a:t>
+            </a:r>
+            <a:r>
+              <a:rPr lang="en-US" dirty="0">
+                <a:latin typeface="Helvetica" pitchFamily="2" charset="0"/>
+              </a:rPr>
+              <a:t>'</a:t>
+            </a:r>
+            <a:br>
+              <a:rPr lang="en-US" dirty="0">
+                <a:latin typeface="Helvetica" pitchFamily="2" charset="0"/>
+              </a:rPr>
+            </a:br>
+            <a:r>
+              <a:rPr lang="en-US" dirty="0">
+                <a:latin typeface="Helvetica" pitchFamily="2" charset="0"/>
+              </a:rPr>
+              <a:t>  }</a:t>
+            </a:r>
+            <a:br>
+              <a:rPr lang="en-US" dirty="0">
+                <a:latin typeface="Helvetica" pitchFamily="2" charset="0"/>
+              </a:rPr>
+            </a:br>
+            <a:r>
+              <a:rPr lang="en-US" dirty="0">
+                <a:latin typeface="Helvetica" pitchFamily="2" charset="0"/>
+              </a:rPr>
+              <a:t>  kind: 'StorageV2'</a:t>
+            </a:r>
+            <a:br>
+              <a:rPr lang="en-US" dirty="0">
+                <a:latin typeface="Helvetica" pitchFamily="2" charset="0"/>
+              </a:rPr>
+            </a:br>
+            <a:r>
+              <a:rPr lang="en-US" dirty="0">
+                <a:latin typeface="Helvetica" pitchFamily="2" charset="0"/>
+              </a:rPr>
+              <a:t>}</a:t>
+            </a:r>
+            <a:br>
+              <a:rPr lang="en-US" dirty="0">
+                <a:latin typeface="Helvetica" pitchFamily="2" charset="0"/>
+              </a:rPr>
+            </a:br>
+            <a:endParaRPr lang="en-US" dirty="0">
+              <a:latin typeface="Helvetica" pitchFamily="2" charset="0"/>
+            </a:endParaRPr>
+          </a:p>
+          <a:p>
+            <a:pPr marL="0" indent="0">
+              <a:buNone/>
+            </a:pPr>
+            <a:endParaRPr lang="en-US" dirty="0"/>
           </a:p>
         </p:txBody>
       </p:sp>
